--- a/materials/vpc.pptx
+++ b/materials/vpc.pptx
@@ -106,6 +106,11 @@
       </a:defRPr>
     </a:lvl9pPr>
   </p:defaultTextStyle>
+  <p:extLst>
+    <p:ext uri="{EFAFB233-063F-42B5-8137-9DF3F51BA10A}">
+      <p15:sldGuideLst xmlns:p15="http://schemas.microsoft.com/office/powerpoint/2012/main"/>
+    </p:ext>
+  </p:extLst>
 </p:presentation>
 </file>
 
@@ -5739,7 +5744,7 @@
           <a:prstGeom prst="bentConnector2">
             <a:avLst/>
           </a:prstGeom>
-          <a:ln>
+          <a:ln w="12700">
             <a:tailEnd type="triangle"/>
           </a:ln>
         </p:spPr>
@@ -6260,6 +6265,203 @@
               <a:t>C</a:t>
             </a:r>
             <a:endParaRPr lang="en-US" dirty="0"/>
+          </a:p>
+        </p:txBody>
+      </p:sp>
+      <p:sp>
+        <p:nvSpPr>
+          <p:cNvPr id="2" name="Curved Down Arrow 1"/>
+          <p:cNvSpPr/>
+          <p:nvPr/>
+        </p:nvSpPr>
+        <p:spPr>
+          <a:xfrm>
+            <a:off x="3510817" y="3543241"/>
+            <a:ext cx="1465298" cy="555584"/>
+          </a:xfrm>
+          <a:prstGeom prst="curvedDownArrow">
+            <a:avLst/>
+          </a:prstGeom>
+          <a:solidFill>
+            <a:schemeClr val="tx1"/>
+          </a:solidFill>
+          <a:ln>
+            <a:noFill/>
+          </a:ln>
+        </p:spPr>
+        <p:style>
+          <a:lnRef idx="2">
+            <a:schemeClr val="accent1">
+              <a:shade val="50000"/>
+            </a:schemeClr>
+          </a:lnRef>
+          <a:fillRef idx="1">
+            <a:schemeClr val="accent1"/>
+          </a:fillRef>
+          <a:effectRef idx="0">
+            <a:schemeClr val="accent1"/>
+          </a:effectRef>
+          <a:fontRef idx="minor">
+            <a:schemeClr val="lt1"/>
+          </a:fontRef>
+        </p:style>
+        <p:txBody>
+          <a:bodyPr rtlCol="0" anchor="ctr"/>
+          <a:lstStyle/>
+          <a:p>
+            <a:pPr algn="ctr"/>
+            <a:endParaRPr lang="en-US">
+              <a:solidFill>
+                <a:schemeClr val="tx1"/>
+              </a:solidFill>
+            </a:endParaRPr>
+          </a:p>
+        </p:txBody>
+      </p:sp>
+      <p:sp>
+        <p:nvSpPr>
+          <p:cNvPr id="14" name="Curved Down Arrow 13"/>
+          <p:cNvSpPr/>
+          <p:nvPr/>
+        </p:nvSpPr>
+        <p:spPr>
+          <a:xfrm>
+            <a:off x="3504989" y="2186920"/>
+            <a:ext cx="3409093" cy="555584"/>
+          </a:xfrm>
+          <a:prstGeom prst="curvedDownArrow">
+            <a:avLst/>
+          </a:prstGeom>
+          <a:solidFill>
+            <a:schemeClr val="tx1"/>
+          </a:solidFill>
+          <a:ln>
+            <a:noFill/>
+          </a:ln>
+        </p:spPr>
+        <p:style>
+          <a:lnRef idx="2">
+            <a:schemeClr val="accent1">
+              <a:shade val="50000"/>
+            </a:schemeClr>
+          </a:lnRef>
+          <a:fillRef idx="1">
+            <a:schemeClr val="accent1"/>
+          </a:fillRef>
+          <a:effectRef idx="0">
+            <a:schemeClr val="accent1"/>
+          </a:effectRef>
+          <a:fontRef idx="minor">
+            <a:schemeClr val="lt1"/>
+          </a:fontRef>
+        </p:style>
+        <p:txBody>
+          <a:bodyPr rtlCol="0" anchor="ctr"/>
+          <a:lstStyle/>
+          <a:p>
+            <a:pPr algn="ctr"/>
+            <a:endParaRPr lang="en-US">
+              <a:solidFill>
+                <a:schemeClr val="tx1"/>
+              </a:solidFill>
+            </a:endParaRPr>
+          </a:p>
+        </p:txBody>
+      </p:sp>
+      <p:sp>
+        <p:nvSpPr>
+          <p:cNvPr id="15" name="Donut 14"/>
+          <p:cNvSpPr/>
+          <p:nvPr/>
+        </p:nvSpPr>
+        <p:spPr>
+          <a:xfrm>
+            <a:off x="3970673" y="3354287"/>
+            <a:ext cx="432309" cy="432309"/>
+          </a:xfrm>
+          <a:prstGeom prst="donut">
+            <a:avLst>
+              <a:gd name="adj" fmla="val 8848"/>
+            </a:avLst>
+          </a:prstGeom>
+          <a:solidFill>
+            <a:srgbClr val="0070C0"/>
+          </a:solidFill>
+        </p:spPr>
+        <p:style>
+          <a:lnRef idx="2">
+            <a:schemeClr val="accent1">
+              <a:shade val="50000"/>
+            </a:schemeClr>
+          </a:lnRef>
+          <a:fillRef idx="1">
+            <a:schemeClr val="accent1"/>
+          </a:fillRef>
+          <a:effectRef idx="0">
+            <a:schemeClr val="accent1"/>
+          </a:effectRef>
+          <a:fontRef idx="minor">
+            <a:schemeClr val="lt1"/>
+          </a:fontRef>
+        </p:style>
+        <p:txBody>
+          <a:bodyPr rtlCol="0" anchor="ctr"/>
+          <a:lstStyle/>
+          <a:p>
+            <a:pPr algn="ctr"/>
+            <a:endParaRPr lang="en-US">
+              <a:solidFill>
+                <a:schemeClr val="tx1"/>
+              </a:solidFill>
+            </a:endParaRPr>
+          </a:p>
+        </p:txBody>
+      </p:sp>
+      <p:sp>
+        <p:nvSpPr>
+          <p:cNvPr id="16" name="Cross 15"/>
+          <p:cNvSpPr/>
+          <p:nvPr/>
+        </p:nvSpPr>
+        <p:spPr>
+          <a:xfrm rot="2824028">
+            <a:off x="4884609" y="2001729"/>
+            <a:ext cx="420671" cy="412148"/>
+          </a:xfrm>
+          <a:prstGeom prst="plus">
+            <a:avLst>
+              <a:gd name="adj" fmla="val 43853"/>
+            </a:avLst>
+          </a:prstGeom>
+          <a:solidFill>
+            <a:srgbClr val="C00000"/>
+          </a:solidFill>
+          <a:ln>
+            <a:noFill/>
+          </a:ln>
+        </p:spPr>
+        <p:style>
+          <a:lnRef idx="2">
+            <a:schemeClr val="accent1">
+              <a:shade val="50000"/>
+            </a:schemeClr>
+          </a:lnRef>
+          <a:fillRef idx="1">
+            <a:schemeClr val="accent1"/>
+          </a:fillRef>
+          <a:effectRef idx="0">
+            <a:schemeClr val="accent1"/>
+          </a:effectRef>
+          <a:fontRef idx="minor">
+            <a:schemeClr val="lt1"/>
+          </a:fontRef>
+        </p:style>
+        <p:txBody>
+          <a:bodyPr rtlCol="0" anchor="ctr"/>
+          <a:lstStyle/>
+          <a:p>
+            <a:pPr algn="ctr"/>
+            <a:endParaRPr lang="en-US"/>
           </a:p>
         </p:txBody>
       </p:sp>
